--- a/Lambda_House.pptx
+++ b/Lambda_House.pptx
@@ -105,6 +105,11 @@
       </a:defRPr>
     </a:lvl9pPr>
   </p:defaultTextStyle>
+  <p:extLst>
+    <p:ext uri="{EFAFB233-063F-42B5-8137-9DF3F51BA10A}">
+      <p15:sldGuideLst xmlns:p15="http://schemas.microsoft.com/office/powerpoint/2012/main"/>
+    </p:ext>
+  </p:extLst>
 </p:presentation>
 </file>
 
@@ -239,7 +244,7 @@
           <a:p>
             <a:fld id="{151A001C-C677-42AD-B1BE-DCA7123BBB64}" type="datetimeFigureOut">
               <a:rPr lang="sv-SE" smtClean="0"/>
-              <a:t>2015-02-23</a:t>
+              <a:t>2015-02-25</a:t>
             </a:fld>
             <a:endParaRPr lang="sv-SE"/>
           </a:p>
@@ -409,7 +414,7 @@
           <a:p>
             <a:fld id="{151A001C-C677-42AD-B1BE-DCA7123BBB64}" type="datetimeFigureOut">
               <a:rPr lang="sv-SE" smtClean="0"/>
-              <a:t>2015-02-23</a:t>
+              <a:t>2015-02-25</a:t>
             </a:fld>
             <a:endParaRPr lang="sv-SE"/>
           </a:p>
@@ -589,7 +594,7 @@
           <a:p>
             <a:fld id="{151A001C-C677-42AD-B1BE-DCA7123BBB64}" type="datetimeFigureOut">
               <a:rPr lang="sv-SE" smtClean="0"/>
-              <a:t>2015-02-23</a:t>
+              <a:t>2015-02-25</a:t>
             </a:fld>
             <a:endParaRPr lang="sv-SE"/>
           </a:p>
@@ -759,7 +764,7 @@
           <a:p>
             <a:fld id="{151A001C-C677-42AD-B1BE-DCA7123BBB64}" type="datetimeFigureOut">
               <a:rPr lang="sv-SE" smtClean="0"/>
-              <a:t>2015-02-23</a:t>
+              <a:t>2015-02-25</a:t>
             </a:fld>
             <a:endParaRPr lang="sv-SE"/>
           </a:p>
@@ -1005,7 +1010,7 @@
           <a:p>
             <a:fld id="{151A001C-C677-42AD-B1BE-DCA7123BBB64}" type="datetimeFigureOut">
               <a:rPr lang="sv-SE" smtClean="0"/>
-              <a:t>2015-02-23</a:t>
+              <a:t>2015-02-25</a:t>
             </a:fld>
             <a:endParaRPr lang="sv-SE"/>
           </a:p>
@@ -1237,7 +1242,7 @@
           <a:p>
             <a:fld id="{151A001C-C677-42AD-B1BE-DCA7123BBB64}" type="datetimeFigureOut">
               <a:rPr lang="sv-SE" smtClean="0"/>
-              <a:t>2015-02-23</a:t>
+              <a:t>2015-02-25</a:t>
             </a:fld>
             <a:endParaRPr lang="sv-SE"/>
           </a:p>
@@ -1604,7 +1609,7 @@
           <a:p>
             <a:fld id="{151A001C-C677-42AD-B1BE-DCA7123BBB64}" type="datetimeFigureOut">
               <a:rPr lang="sv-SE" smtClean="0"/>
-              <a:t>2015-02-23</a:t>
+              <a:t>2015-02-25</a:t>
             </a:fld>
             <a:endParaRPr lang="sv-SE"/>
           </a:p>
@@ -1722,7 +1727,7 @@
           <a:p>
             <a:fld id="{151A001C-C677-42AD-B1BE-DCA7123BBB64}" type="datetimeFigureOut">
               <a:rPr lang="sv-SE" smtClean="0"/>
-              <a:t>2015-02-23</a:t>
+              <a:t>2015-02-25</a:t>
             </a:fld>
             <a:endParaRPr lang="sv-SE"/>
           </a:p>
@@ -1817,7 +1822,7 @@
           <a:p>
             <a:fld id="{151A001C-C677-42AD-B1BE-DCA7123BBB64}" type="datetimeFigureOut">
               <a:rPr lang="sv-SE" smtClean="0"/>
-              <a:t>2015-02-23</a:t>
+              <a:t>2015-02-25</a:t>
             </a:fld>
             <a:endParaRPr lang="sv-SE"/>
           </a:p>
@@ -2094,7 +2099,7 @@
           <a:p>
             <a:fld id="{151A001C-C677-42AD-B1BE-DCA7123BBB64}" type="datetimeFigureOut">
               <a:rPr lang="sv-SE" smtClean="0"/>
-              <a:t>2015-02-23</a:t>
+              <a:t>2015-02-25</a:t>
             </a:fld>
             <a:endParaRPr lang="sv-SE"/>
           </a:p>
@@ -2347,7 +2352,7 @@
           <a:p>
             <a:fld id="{151A001C-C677-42AD-B1BE-DCA7123BBB64}" type="datetimeFigureOut">
               <a:rPr lang="sv-SE" smtClean="0"/>
-              <a:t>2015-02-23</a:t>
+              <a:t>2015-02-25</a:t>
             </a:fld>
             <a:endParaRPr lang="sv-SE"/>
           </a:p>
@@ -2560,7 +2565,7 @@
           <a:p>
             <a:fld id="{151A001C-C677-42AD-B1BE-DCA7123BBB64}" type="datetimeFigureOut">
               <a:rPr lang="sv-SE" smtClean="0"/>
-              <a:t>2015-02-23</a:t>
+              <a:t>2015-02-25</a:t>
             </a:fld>
             <a:endParaRPr lang="sv-SE"/>
           </a:p>
@@ -2980,7 +2985,15 @@
           <a:bodyPr/>
           <a:lstStyle/>
           <a:p>
-            <a:endParaRPr lang="sv-SE"/>
+            <a:r>
+              <a:rPr lang="sv-SE" dirty="0" err="1" smtClean="0"/>
+              <a:t>Tuning</a:t>
+            </a:r>
+            <a:r>
+              <a:rPr lang="sv-SE" dirty="0" smtClean="0"/>
+              <a:t>-parameters</a:t>
+            </a:r>
+            <a:endParaRPr lang="sv-SE" dirty="0"/>
           </a:p>
         </p:txBody>
       </p:sp>
@@ -2999,7 +3012,15 @@
           <a:bodyPr/>
           <a:lstStyle/>
           <a:p>
-            <a:endParaRPr lang="sv-SE"/>
+            <a:r>
+              <a:rPr lang="sv-SE" dirty="0" err="1" smtClean="0"/>
+              <a:t>Integrating</a:t>
+            </a:r>
+            <a:r>
+              <a:rPr lang="sv-SE" dirty="0" smtClean="0"/>
+              <a:t> process – the house</a:t>
+            </a:r>
+            <a:endParaRPr lang="sv-SE" dirty="0"/>
           </a:p>
         </p:txBody>
       </p:sp>
@@ -3082,6 +3103,7 @@
             <a:solidFill>
               <a:schemeClr val="tx1"/>
             </a:solidFill>
+            <a:prstDash val="dash"/>
           </a:ln>
         </p:spPr>
         <p:style>
@@ -3117,6 +3139,7 @@
             <a:solidFill>
               <a:schemeClr val="tx1"/>
             </a:solidFill>
+            <a:prstDash val="dash"/>
           </a:ln>
         </p:spPr>
         <p:style>
@@ -3152,6 +3175,7 @@
             <a:solidFill>
               <a:schemeClr val="tx1"/>
             </a:solidFill>
+            <a:prstDash val="dash"/>
           </a:ln>
         </p:spPr>
         <p:style>
@@ -3169,6 +3193,460 @@
           </a:fontRef>
         </p:style>
       </p:cxnSp>
+      <p:sp>
+        <p:nvSpPr>
+          <p:cNvPr id="2" name="textruta 1"/>
+          <p:cNvSpPr txBox="1"/>
+          <p:nvPr/>
+        </p:nvSpPr>
+        <p:spPr>
+          <a:xfrm>
+            <a:off x="6747721" y="1187622"/>
+            <a:ext cx="3335629" cy="4247317"/>
+          </a:xfrm>
+          <a:prstGeom prst="rect">
+            <a:avLst/>
+          </a:prstGeom>
+          <a:noFill/>
+        </p:spPr>
+        <p:txBody>
+          <a:bodyPr wrap="square" rtlCol="0">
+            <a:spAutoFit/>
+          </a:bodyPr>
+          <a:lstStyle/>
+          <a:p>
+            <a:r>
+              <a:rPr lang="sv-SE" dirty="0" err="1" smtClean="0"/>
+              <a:t>What</a:t>
+            </a:r>
+            <a:r>
+              <a:rPr lang="sv-SE" dirty="0" smtClean="0"/>
+              <a:t> is </a:t>
+            </a:r>
+            <a:r>
+              <a:rPr lang="sv-SE" dirty="0" err="1" smtClean="0"/>
+              <a:t>seen</a:t>
+            </a:r>
+            <a:r>
+              <a:rPr lang="sv-SE" dirty="0" smtClean="0"/>
+              <a:t> </a:t>
+            </a:r>
+            <a:r>
+              <a:rPr lang="sv-SE" dirty="0" err="1" smtClean="0"/>
+              <a:t>here</a:t>
+            </a:r>
+            <a:r>
+              <a:rPr lang="sv-SE" dirty="0" smtClean="0"/>
+              <a:t> is the PV </a:t>
+            </a:r>
+            <a:r>
+              <a:rPr lang="sv-SE" dirty="0" err="1" smtClean="0"/>
+              <a:t>dynamics</a:t>
+            </a:r>
+            <a:r>
+              <a:rPr lang="sv-SE" dirty="0" smtClean="0"/>
+              <a:t> </a:t>
+            </a:r>
+            <a:r>
+              <a:rPr lang="sv-SE" dirty="0" err="1" smtClean="0"/>
+              <a:t>after</a:t>
+            </a:r>
+            <a:r>
+              <a:rPr lang="sv-SE" dirty="0" smtClean="0"/>
+              <a:t> a step </a:t>
+            </a:r>
+            <a:r>
+              <a:rPr lang="sv-SE" dirty="0" err="1" smtClean="0"/>
+              <a:t>made</a:t>
+            </a:r>
+            <a:r>
+              <a:rPr lang="sv-SE" dirty="0" smtClean="0"/>
+              <a:t> in the CO (Controller output). The </a:t>
+            </a:r>
+            <a:r>
+              <a:rPr lang="sv-SE" dirty="0" err="1" smtClean="0"/>
+              <a:t>change</a:t>
+            </a:r>
+            <a:r>
+              <a:rPr lang="sv-SE" dirty="0" smtClean="0"/>
+              <a:t> </a:t>
+            </a:r>
+            <a:r>
+              <a:rPr lang="sv-SE" dirty="0" err="1" smtClean="0"/>
+              <a:t>was</a:t>
+            </a:r>
+            <a:r>
+              <a:rPr lang="sv-SE" dirty="0" smtClean="0"/>
+              <a:t> from 400 to 1000, i.e. </a:t>
+            </a:r>
+            <a:r>
+              <a:rPr lang="sv-SE" dirty="0" err="1" smtClean="0"/>
+              <a:t>dCO</a:t>
+            </a:r>
+            <a:r>
+              <a:rPr lang="sv-SE" dirty="0" smtClean="0"/>
+              <a:t> = 1000 – 400 = 600</a:t>
+            </a:r>
+          </a:p>
+          <a:p>
+            <a:r>
+              <a:rPr lang="sv-SE" dirty="0" err="1" smtClean="0"/>
+              <a:t>dPV</a:t>
+            </a:r>
+            <a:r>
+              <a:rPr lang="sv-SE" dirty="0" smtClean="0"/>
+              <a:t> = 290 – 284 = 6</a:t>
+            </a:r>
+          </a:p>
+          <a:p>
+            <a:r>
+              <a:rPr lang="sv-SE" dirty="0" err="1" smtClean="0"/>
+              <a:t>Time</a:t>
+            </a:r>
+            <a:r>
+              <a:rPr lang="sv-SE" dirty="0" smtClean="0"/>
+              <a:t> </a:t>
+            </a:r>
+            <a:r>
+              <a:rPr lang="sv-SE" dirty="0" err="1" smtClean="0"/>
+              <a:t>constant</a:t>
+            </a:r>
+            <a:r>
+              <a:rPr lang="sv-SE" dirty="0" smtClean="0"/>
+              <a:t> T = 5 s</a:t>
+            </a:r>
+            <a:endParaRPr lang="sv-SE" dirty="0"/>
+          </a:p>
+          <a:p>
+            <a:r>
+              <a:rPr lang="sv-SE" dirty="0" err="1" smtClean="0"/>
+              <a:t>Dead</a:t>
+            </a:r>
+            <a:r>
+              <a:rPr lang="sv-SE" dirty="0" smtClean="0"/>
+              <a:t> </a:t>
+            </a:r>
+            <a:r>
+              <a:rPr lang="sv-SE" dirty="0" err="1" smtClean="0"/>
+              <a:t>time</a:t>
+            </a:r>
+            <a:r>
+              <a:rPr lang="sv-SE" dirty="0" smtClean="0"/>
+              <a:t> L = </a:t>
+            </a:r>
+            <a:r>
+              <a:rPr lang="sv-SE" dirty="0" err="1" smtClean="0"/>
+              <a:t>zero</a:t>
+            </a:r>
+            <a:endParaRPr lang="sv-SE" dirty="0" smtClean="0"/>
+          </a:p>
+          <a:p>
+            <a:endParaRPr lang="sv-SE" dirty="0"/>
+          </a:p>
+          <a:p>
+            <a:r>
+              <a:rPr lang="sv-SE" dirty="0" err="1" smtClean="0"/>
+              <a:t>Using</a:t>
+            </a:r>
+            <a:r>
+              <a:rPr lang="sv-SE" dirty="0" smtClean="0"/>
+              <a:t> </a:t>
+            </a:r>
+            <a:r>
+              <a:rPr lang="sv-SE" dirty="0" err="1" smtClean="0"/>
+              <a:t>these</a:t>
+            </a:r>
+            <a:r>
+              <a:rPr lang="sv-SE" dirty="0" smtClean="0"/>
+              <a:t> </a:t>
+            </a:r>
+            <a:r>
+              <a:rPr lang="sv-SE" dirty="0" err="1" smtClean="0"/>
+              <a:t>values</a:t>
+            </a:r>
+            <a:r>
+              <a:rPr lang="sv-SE" dirty="0" smtClean="0"/>
+              <a:t> </a:t>
+            </a:r>
+            <a:r>
+              <a:rPr lang="sv-SE" dirty="0" err="1" smtClean="0"/>
+              <a:t>we</a:t>
+            </a:r>
+            <a:r>
+              <a:rPr lang="sv-SE" dirty="0" smtClean="0"/>
+              <a:t> get the </a:t>
+            </a:r>
+            <a:r>
+              <a:rPr lang="sv-SE" dirty="0" err="1" smtClean="0"/>
+              <a:t>following</a:t>
+            </a:r>
+            <a:r>
+              <a:rPr lang="sv-SE" dirty="0" smtClean="0"/>
+              <a:t> PID parameters (moderate lambda, i.e. 2*T)</a:t>
+            </a:r>
+          </a:p>
+          <a:p>
+            <a:r>
+              <a:rPr lang="sv-SE" dirty="0" smtClean="0"/>
+              <a:t>Kp = 50</a:t>
+            </a:r>
+          </a:p>
+          <a:p>
+            <a:r>
+              <a:rPr lang="sv-SE" dirty="0" smtClean="0"/>
+              <a:t>Ti = 10</a:t>
+            </a:r>
+          </a:p>
+          <a:p>
+            <a:r>
+              <a:rPr lang="sv-SE" dirty="0" err="1" smtClean="0"/>
+              <a:t>Td</a:t>
+            </a:r>
+            <a:r>
+              <a:rPr lang="sv-SE" smtClean="0"/>
+              <a:t> = 0</a:t>
+            </a:r>
+            <a:endParaRPr lang="sv-SE" dirty="0"/>
+          </a:p>
+        </p:txBody>
+      </p:sp>
+      <p:cxnSp>
+        <p:nvCxnSpPr>
+          <p:cNvPr id="5" name="Rak pil 4"/>
+          <p:cNvCxnSpPr/>
+          <p:nvPr/>
+        </p:nvCxnSpPr>
+        <p:spPr>
+          <a:xfrm>
+            <a:off x="3825025" y="6027313"/>
+            <a:ext cx="1004553" cy="0"/>
+          </a:xfrm>
+          <a:prstGeom prst="straightConnector1">
+            <a:avLst/>
+          </a:prstGeom>
+          <a:ln w="38100">
+            <a:headEnd type="triangle"/>
+            <a:tailEnd type="triangle"/>
+          </a:ln>
+        </p:spPr>
+        <p:style>
+          <a:lnRef idx="1">
+            <a:schemeClr val="dk1"/>
+          </a:lnRef>
+          <a:fillRef idx="0">
+            <a:schemeClr val="dk1"/>
+          </a:fillRef>
+          <a:effectRef idx="0">
+            <a:schemeClr val="dk1"/>
+          </a:effectRef>
+          <a:fontRef idx="minor">
+            <a:schemeClr val="tx1"/>
+          </a:fontRef>
+        </p:style>
+      </p:cxnSp>
+      <p:sp>
+        <p:nvSpPr>
+          <p:cNvPr id="7" name="textruta 6"/>
+          <p:cNvSpPr txBox="1"/>
+          <p:nvPr/>
+        </p:nvSpPr>
+        <p:spPr>
+          <a:xfrm>
+            <a:off x="1169389" y="2296595"/>
+            <a:ext cx="583814" cy="369332"/>
+          </a:xfrm>
+          <a:prstGeom prst="rect">
+            <a:avLst/>
+          </a:prstGeom>
+          <a:noFill/>
+        </p:spPr>
+        <p:txBody>
+          <a:bodyPr wrap="none" rtlCol="0">
+            <a:spAutoFit/>
+          </a:bodyPr>
+          <a:lstStyle/>
+          <a:p>
+            <a:r>
+              <a:rPr lang="sv-SE" dirty="0" smtClean="0"/>
+              <a:t>63%</a:t>
+            </a:r>
+            <a:endParaRPr lang="sv-SE" dirty="0"/>
+          </a:p>
+        </p:txBody>
+      </p:sp>
+      <p:sp>
+        <p:nvSpPr>
+          <p:cNvPr id="8" name="textruta 7"/>
+          <p:cNvSpPr txBox="1"/>
+          <p:nvPr/>
+        </p:nvSpPr>
+        <p:spPr>
+          <a:xfrm>
+            <a:off x="2225457" y="381799"/>
+            <a:ext cx="1702774" cy="369332"/>
+          </a:xfrm>
+          <a:prstGeom prst="rect">
+            <a:avLst/>
+          </a:prstGeom>
+          <a:noFill/>
+        </p:spPr>
+        <p:txBody>
+          <a:bodyPr wrap="none" rtlCol="0">
+            <a:spAutoFit/>
+          </a:bodyPr>
+          <a:lstStyle/>
+          <a:p>
+            <a:r>
+              <a:rPr lang="sv-SE" dirty="0" err="1" smtClean="0"/>
+              <a:t>Temperature</a:t>
+            </a:r>
+            <a:r>
+              <a:rPr lang="sv-SE" dirty="0" smtClean="0"/>
+              <a:t> [K]</a:t>
+            </a:r>
+            <a:endParaRPr lang="sv-SE" dirty="0"/>
+          </a:p>
+        </p:txBody>
+      </p:sp>
+      <p:sp>
+        <p:nvSpPr>
+          <p:cNvPr id="10" name="textruta 9"/>
+          <p:cNvSpPr txBox="1"/>
+          <p:nvPr/>
+        </p:nvSpPr>
+        <p:spPr>
+          <a:xfrm>
+            <a:off x="9836464" y="5842647"/>
+            <a:ext cx="933269" cy="369332"/>
+          </a:xfrm>
+          <a:prstGeom prst="rect">
+            <a:avLst/>
+          </a:prstGeom>
+          <a:noFill/>
+        </p:spPr>
+        <p:txBody>
+          <a:bodyPr wrap="none" rtlCol="0">
+            <a:spAutoFit/>
+          </a:bodyPr>
+          <a:lstStyle/>
+          <a:p>
+            <a:r>
+              <a:rPr lang="sv-SE" dirty="0" err="1" smtClean="0"/>
+              <a:t>Time</a:t>
+            </a:r>
+            <a:r>
+              <a:rPr lang="sv-SE" dirty="0" smtClean="0"/>
+              <a:t> [s]</a:t>
+            </a:r>
+            <a:endParaRPr lang="sv-SE" dirty="0"/>
+          </a:p>
+        </p:txBody>
+      </p:sp>
+      <p:cxnSp>
+        <p:nvCxnSpPr>
+          <p:cNvPr id="15" name="Rak pil 14"/>
+          <p:cNvCxnSpPr/>
+          <p:nvPr/>
+        </p:nvCxnSpPr>
+        <p:spPr>
+          <a:xfrm>
+            <a:off x="3335628" y="751131"/>
+            <a:ext cx="0" cy="5276182"/>
+          </a:xfrm>
+          <a:prstGeom prst="straightConnector1">
+            <a:avLst/>
+          </a:prstGeom>
+          <a:ln w="38100">
+            <a:solidFill>
+              <a:schemeClr val="tx1"/>
+            </a:solidFill>
+            <a:headEnd type="triangle"/>
+            <a:tailEnd type="triangle"/>
+          </a:ln>
+        </p:spPr>
+        <p:style>
+          <a:lnRef idx="1">
+            <a:schemeClr val="accent1"/>
+          </a:lnRef>
+          <a:fillRef idx="0">
+            <a:schemeClr val="accent1"/>
+          </a:fillRef>
+          <a:effectRef idx="0">
+            <a:schemeClr val="accent1"/>
+          </a:effectRef>
+          <a:fontRef idx="minor">
+            <a:schemeClr val="tx1"/>
+          </a:fontRef>
+        </p:style>
+      </p:cxnSp>
+      <p:sp>
+        <p:nvSpPr>
+          <p:cNvPr id="16" name="textruta 15"/>
+          <p:cNvSpPr txBox="1"/>
+          <p:nvPr/>
+        </p:nvSpPr>
+        <p:spPr>
+          <a:xfrm>
+            <a:off x="3554569" y="1120463"/>
+            <a:ext cx="555408" cy="369332"/>
+          </a:xfrm>
+          <a:prstGeom prst="rect">
+            <a:avLst/>
+          </a:prstGeom>
+          <a:noFill/>
+        </p:spPr>
+        <p:txBody>
+          <a:bodyPr wrap="none" rtlCol="0">
+            <a:spAutoFit/>
+          </a:bodyPr>
+          <a:lstStyle/>
+          <a:p>
+            <a:r>
+              <a:rPr lang="sv-SE" dirty="0" err="1" smtClean="0"/>
+              <a:t>dPV</a:t>
+            </a:r>
+            <a:endParaRPr lang="sv-SE" dirty="0"/>
+          </a:p>
+        </p:txBody>
+      </p:sp>
+      <p:sp>
+        <p:nvSpPr>
+          <p:cNvPr id="17" name="textruta 16"/>
+          <p:cNvSpPr txBox="1"/>
+          <p:nvPr/>
+        </p:nvSpPr>
+        <p:spPr>
+          <a:xfrm>
+            <a:off x="4881093" y="5657981"/>
+            <a:ext cx="1510542" cy="369332"/>
+          </a:xfrm>
+          <a:prstGeom prst="rect">
+            <a:avLst/>
+          </a:prstGeom>
+          <a:noFill/>
+        </p:spPr>
+        <p:txBody>
+          <a:bodyPr wrap="none" rtlCol="0">
+            <a:spAutoFit/>
+          </a:bodyPr>
+          <a:lstStyle/>
+          <a:p>
+            <a:r>
+              <a:rPr lang="sv-SE" dirty="0" err="1" smtClean="0"/>
+              <a:t>Time</a:t>
+            </a:r>
+            <a:r>
+              <a:rPr lang="sv-SE" dirty="0" smtClean="0"/>
+              <a:t> </a:t>
+            </a:r>
+            <a:r>
+              <a:rPr lang="sv-SE" dirty="0" err="1" smtClean="0"/>
+              <a:t>constant</a:t>
+            </a:r>
+            <a:endParaRPr lang="sv-SE" dirty="0"/>
+          </a:p>
+        </p:txBody>
+      </p:sp>
     </p:spTree>
     <p:extLst>
       <p:ext uri="{BB962C8B-B14F-4D97-AF65-F5344CB8AC3E}">
